--- a/yunweiNote/jenkins单刷.pptx
+++ b/yunweiNote/jenkins单刷.pptx
@@ -6,6 +6,7 @@
   </p:sldMasterIdLst>
   <p:sldIdLst>
     <p:sldId id="256" r:id="rId2"/>
+    <p:sldId id="257" r:id="rId3"/>
   </p:sldIdLst>
   <p:sldSz cx="12192000" cy="6858000"/>
   <p:notesSz cx="6858000" cy="9144000"/>
@@ -104,6 +105,11 @@
       </a:defRPr>
     </a:lvl9pPr>
   </p:defaultTextStyle>
+  <p:extLst>
+    <p:ext uri="{EFAFB233-063F-42B5-8137-9DF3F51BA10A}">
+      <p15:sldGuideLst xmlns:p15="http://schemas.microsoft.com/office/powerpoint/2012/main"/>
+    </p:ext>
+  </p:extLst>
 </p:presentation>
 </file>
 
@@ -238,7 +244,7 @@
           <a:p>
             <a:fld id="{E981324E-1E08-4C40-B50E-EA43DF68544D}" type="datetimeFigureOut">
               <a:rPr lang="zh-CN" altLang="en-US" smtClean="0"/>
-              <a:t>2022/9/8</a:t>
+              <a:t>2022/9/9</a:t>
             </a:fld>
             <a:endParaRPr lang="zh-CN" altLang="en-US"/>
           </a:p>
@@ -408,7 +414,7 @@
           <a:p>
             <a:fld id="{E981324E-1E08-4C40-B50E-EA43DF68544D}" type="datetimeFigureOut">
               <a:rPr lang="zh-CN" altLang="en-US" smtClean="0"/>
-              <a:t>2022/9/8</a:t>
+              <a:t>2022/9/9</a:t>
             </a:fld>
             <a:endParaRPr lang="zh-CN" altLang="en-US"/>
           </a:p>
@@ -588,7 +594,7 @@
           <a:p>
             <a:fld id="{E981324E-1E08-4C40-B50E-EA43DF68544D}" type="datetimeFigureOut">
               <a:rPr lang="zh-CN" altLang="en-US" smtClean="0"/>
-              <a:t>2022/9/8</a:t>
+              <a:t>2022/9/9</a:t>
             </a:fld>
             <a:endParaRPr lang="zh-CN" altLang="en-US"/>
           </a:p>
@@ -758,7 +764,7 @@
           <a:p>
             <a:fld id="{E981324E-1E08-4C40-B50E-EA43DF68544D}" type="datetimeFigureOut">
               <a:rPr lang="zh-CN" altLang="en-US" smtClean="0"/>
-              <a:t>2022/9/8</a:t>
+              <a:t>2022/9/9</a:t>
             </a:fld>
             <a:endParaRPr lang="zh-CN" altLang="en-US"/>
           </a:p>
@@ -1004,7 +1010,7 @@
           <a:p>
             <a:fld id="{E981324E-1E08-4C40-B50E-EA43DF68544D}" type="datetimeFigureOut">
               <a:rPr lang="zh-CN" altLang="en-US" smtClean="0"/>
-              <a:t>2022/9/8</a:t>
+              <a:t>2022/9/9</a:t>
             </a:fld>
             <a:endParaRPr lang="zh-CN" altLang="en-US"/>
           </a:p>
@@ -1236,7 +1242,7 @@
           <a:p>
             <a:fld id="{E981324E-1E08-4C40-B50E-EA43DF68544D}" type="datetimeFigureOut">
               <a:rPr lang="zh-CN" altLang="en-US" smtClean="0"/>
-              <a:t>2022/9/8</a:t>
+              <a:t>2022/9/9</a:t>
             </a:fld>
             <a:endParaRPr lang="zh-CN" altLang="en-US"/>
           </a:p>
@@ -1603,7 +1609,7 @@
           <a:p>
             <a:fld id="{E981324E-1E08-4C40-B50E-EA43DF68544D}" type="datetimeFigureOut">
               <a:rPr lang="zh-CN" altLang="en-US" smtClean="0"/>
-              <a:t>2022/9/8</a:t>
+              <a:t>2022/9/9</a:t>
             </a:fld>
             <a:endParaRPr lang="zh-CN" altLang="en-US"/>
           </a:p>
@@ -1721,7 +1727,7 @@
           <a:p>
             <a:fld id="{E981324E-1E08-4C40-B50E-EA43DF68544D}" type="datetimeFigureOut">
               <a:rPr lang="zh-CN" altLang="en-US" smtClean="0"/>
-              <a:t>2022/9/8</a:t>
+              <a:t>2022/9/9</a:t>
             </a:fld>
             <a:endParaRPr lang="zh-CN" altLang="en-US"/>
           </a:p>
@@ -1816,7 +1822,7 @@
           <a:p>
             <a:fld id="{E981324E-1E08-4C40-B50E-EA43DF68544D}" type="datetimeFigureOut">
               <a:rPr lang="zh-CN" altLang="en-US" smtClean="0"/>
-              <a:t>2022/9/8</a:t>
+              <a:t>2022/9/9</a:t>
             </a:fld>
             <a:endParaRPr lang="zh-CN" altLang="en-US"/>
           </a:p>
@@ -2093,7 +2099,7 @@
           <a:p>
             <a:fld id="{E981324E-1E08-4C40-B50E-EA43DF68544D}" type="datetimeFigureOut">
               <a:rPr lang="zh-CN" altLang="en-US" smtClean="0"/>
-              <a:t>2022/9/8</a:t>
+              <a:t>2022/9/9</a:t>
             </a:fld>
             <a:endParaRPr lang="zh-CN" altLang="en-US"/>
           </a:p>
@@ -2346,7 +2352,7 @@
           <a:p>
             <a:fld id="{E981324E-1E08-4C40-B50E-EA43DF68544D}" type="datetimeFigureOut">
               <a:rPr lang="zh-CN" altLang="en-US" smtClean="0"/>
-              <a:t>2022/9/8</a:t>
+              <a:t>2022/9/9</a:t>
             </a:fld>
             <a:endParaRPr lang="zh-CN" altLang="en-US"/>
           </a:p>
@@ -2559,7 +2565,7 @@
           <a:p>
             <a:fld id="{E981324E-1E08-4C40-B50E-EA43DF68544D}" type="datetimeFigureOut">
               <a:rPr lang="zh-CN" altLang="en-US" smtClean="0"/>
-              <a:t>2022/9/8</a:t>
+              <a:t>2022/9/9</a:t>
             </a:fld>
             <a:endParaRPr lang="zh-CN" altLang="en-US"/>
           </a:p>
@@ -3079,6 +3085,791 @@
 </p:sld>
 </file>
 
+<file path=ppt/slides/slide2.xml><?xml version="1.0" encoding="utf-8"?>
+<p:sld xmlns:a="http://schemas.openxmlformats.org/drawingml/2006/main" xmlns:r="http://schemas.openxmlformats.org/officeDocument/2006/relationships" xmlns:p="http://schemas.openxmlformats.org/presentationml/2006/main">
+  <p:cSld>
+    <p:spTree>
+      <p:nvGrpSpPr>
+        <p:cNvPr id="1" name=""/>
+        <p:cNvGrpSpPr/>
+        <p:nvPr/>
+      </p:nvGrpSpPr>
+      <p:grpSpPr>
+        <a:xfrm>
+          <a:off x="0" y="0"/>
+          <a:ext cx="0" cy="0"/>
+          <a:chOff x="0" y="0"/>
+          <a:chExt cx="0" cy="0"/>
+        </a:xfrm>
+      </p:grpSpPr>
+      <p:sp>
+        <p:nvSpPr>
+          <p:cNvPr id="4" name="圆角矩形 3"/>
+          <p:cNvSpPr/>
+          <p:nvPr/>
+        </p:nvSpPr>
+        <p:spPr>
+          <a:xfrm>
+            <a:off x="123567" y="914400"/>
+            <a:ext cx="5115698" cy="3978875"/>
+          </a:xfrm>
+          <a:prstGeom prst="roundRect">
+            <a:avLst/>
+          </a:prstGeom>
+        </p:spPr>
+        <p:style>
+          <a:lnRef idx="2">
+            <a:schemeClr val="accent1">
+              <a:shade val="50000"/>
+            </a:schemeClr>
+          </a:lnRef>
+          <a:fillRef idx="1">
+            <a:schemeClr val="accent1"/>
+          </a:fillRef>
+          <a:effectRef idx="0">
+            <a:schemeClr val="accent1"/>
+          </a:effectRef>
+          <a:fontRef idx="minor">
+            <a:schemeClr val="lt1"/>
+          </a:fontRef>
+        </p:style>
+        <p:txBody>
+          <a:bodyPr rtlCol="0" anchor="ctr"/>
+          <a:lstStyle/>
+          <a:p>
+            <a:r>
+              <a:rPr lang="en-US" altLang="zh-CN" dirty="0" smtClean="0"/>
+              <a:t>	</a:t>
+            </a:r>
+            <a:r>
+              <a:rPr lang="en-US" altLang="zh-CN" dirty="0" err="1" smtClean="0"/>
+              <a:t>Docker</a:t>
+            </a:r>
+            <a:endParaRPr lang="en-US" altLang="zh-CN" dirty="0" smtClean="0"/>
+          </a:p>
+          <a:p>
+            <a:r>
+              <a:rPr lang="en-US" altLang="zh-CN" dirty="0" err="1"/>
+              <a:t>docker</a:t>
+            </a:r>
+            <a:r>
+              <a:rPr lang="en-US" altLang="zh-CN" dirty="0"/>
+              <a:t> </a:t>
+            </a:r>
+            <a:r>
+              <a:rPr lang="en-US" altLang="zh-CN" dirty="0" smtClean="0"/>
+              <a:t>run \</a:t>
+            </a:r>
+          </a:p>
+          <a:p>
+            <a:r>
+              <a:rPr lang="en-US" altLang="zh-CN" dirty="0" smtClean="0"/>
+              <a:t> </a:t>
+            </a:r>
+            <a:r>
+              <a:rPr lang="en-US" altLang="zh-CN" dirty="0"/>
+              <a:t>-v /data/</a:t>
+            </a:r>
+            <a:r>
+              <a:rPr lang="en-US" altLang="zh-CN" dirty="0" err="1"/>
+              <a:t>redis</a:t>
+            </a:r>
+            <a:r>
+              <a:rPr lang="en-US" altLang="zh-CN" dirty="0"/>
+              <a:t>/</a:t>
+            </a:r>
+            <a:r>
+              <a:rPr lang="en-US" altLang="zh-CN" dirty="0" err="1"/>
+              <a:t>redis.conf</a:t>
+            </a:r>
+            <a:r>
+              <a:rPr lang="en-US" altLang="zh-CN" dirty="0"/>
+              <a:t>:/</a:t>
+            </a:r>
+            <a:r>
+              <a:rPr lang="en-US" altLang="zh-CN" dirty="0" err="1"/>
+              <a:t>etc</a:t>
+            </a:r>
+            <a:r>
+              <a:rPr lang="en-US" altLang="zh-CN" dirty="0"/>
+              <a:t>/</a:t>
+            </a:r>
+            <a:r>
+              <a:rPr lang="en-US" altLang="zh-CN" dirty="0" err="1"/>
+              <a:t>redis</a:t>
+            </a:r>
+            <a:r>
+              <a:rPr lang="en-US" altLang="zh-CN" dirty="0"/>
+              <a:t>/</a:t>
+            </a:r>
+            <a:r>
+              <a:rPr lang="en-US" altLang="zh-CN" dirty="0" err="1"/>
+              <a:t>redis.conf</a:t>
+            </a:r>
+            <a:r>
+              <a:rPr lang="en-US" altLang="zh-CN" dirty="0"/>
+              <a:t> \</a:t>
+            </a:r>
+          </a:p>
+          <a:p>
+            <a:r>
+              <a:rPr lang="en-US" altLang="zh-CN" dirty="0"/>
+              <a:t>--</a:t>
+            </a:r>
+            <a:r>
+              <a:rPr lang="en-US" altLang="zh-CN" dirty="0" err="1"/>
+              <a:t>appendonly</a:t>
+            </a:r>
+            <a:r>
+              <a:rPr lang="en-US" altLang="zh-CN" dirty="0"/>
+              <a:t> yes \</a:t>
+            </a:r>
+          </a:p>
+          <a:p>
+            <a:r>
+              <a:rPr lang="en-US" altLang="zh-CN" dirty="0"/>
+              <a:t>-v /data/</a:t>
+            </a:r>
+            <a:r>
+              <a:rPr lang="en-US" altLang="zh-CN" dirty="0" err="1"/>
+              <a:t>redis</a:t>
+            </a:r>
+            <a:r>
+              <a:rPr lang="en-US" altLang="zh-CN" dirty="0"/>
+              <a:t>/data:/data \</a:t>
+            </a:r>
+          </a:p>
+          <a:p>
+            <a:r>
+              <a:rPr lang="en-US" altLang="zh-CN" dirty="0"/>
+              <a:t>-d --name </a:t>
+            </a:r>
+            <a:r>
+              <a:rPr lang="en-US" altLang="zh-CN" dirty="0" err="1"/>
+              <a:t>myredis</a:t>
+            </a:r>
+            <a:r>
+              <a:rPr lang="en-US" altLang="zh-CN" dirty="0"/>
+              <a:t> \</a:t>
+            </a:r>
+          </a:p>
+          <a:p>
+            <a:r>
+              <a:rPr lang="en-US" altLang="zh-CN" dirty="0"/>
+              <a:t>-p 6379:6379 \</a:t>
+            </a:r>
+          </a:p>
+          <a:p>
+            <a:r>
+              <a:rPr lang="en-US" altLang="zh-CN" dirty="0" err="1"/>
+              <a:t>redis:latest</a:t>
+            </a:r>
+            <a:r>
+              <a:rPr lang="en-US" altLang="zh-CN" dirty="0"/>
+              <a:t> </a:t>
+            </a:r>
+            <a:r>
+              <a:rPr lang="en-US" altLang="zh-CN" dirty="0" err="1"/>
+              <a:t>redis</a:t>
+            </a:r>
+            <a:r>
+              <a:rPr lang="en-US" altLang="zh-CN" dirty="0"/>
+              <a:t>-server /</a:t>
+            </a:r>
+            <a:r>
+              <a:rPr lang="en-US" altLang="zh-CN" dirty="0" err="1"/>
+              <a:t>etc</a:t>
+            </a:r>
+            <a:r>
+              <a:rPr lang="en-US" altLang="zh-CN" dirty="0"/>
+              <a:t>/</a:t>
+            </a:r>
+            <a:r>
+              <a:rPr lang="en-US" altLang="zh-CN" dirty="0" err="1"/>
+              <a:t>redis</a:t>
+            </a:r>
+            <a:r>
+              <a:rPr lang="en-US" altLang="zh-CN" dirty="0"/>
+              <a:t>/</a:t>
+            </a:r>
+            <a:r>
+              <a:rPr lang="en-US" altLang="zh-CN" dirty="0" err="1"/>
+              <a:t>redis.conf</a:t>
+            </a:r>
+            <a:endParaRPr lang="zh-CN" altLang="en-US" dirty="0"/>
+          </a:p>
+        </p:txBody>
+      </p:sp>
+      <p:sp>
+        <p:nvSpPr>
+          <p:cNvPr id="5" name="矩形 4"/>
+          <p:cNvSpPr/>
+          <p:nvPr/>
+        </p:nvSpPr>
+        <p:spPr>
+          <a:xfrm>
+            <a:off x="5346357" y="0"/>
+            <a:ext cx="6845643" cy="6858000"/>
+          </a:xfrm>
+          <a:prstGeom prst="rect">
+            <a:avLst/>
+          </a:prstGeom>
+        </p:spPr>
+        <p:style>
+          <a:lnRef idx="2">
+            <a:schemeClr val="accent1">
+              <a:shade val="50000"/>
+            </a:schemeClr>
+          </a:lnRef>
+          <a:fillRef idx="1">
+            <a:schemeClr val="accent1"/>
+          </a:fillRef>
+          <a:effectRef idx="0">
+            <a:schemeClr val="accent1"/>
+          </a:effectRef>
+          <a:fontRef idx="minor">
+            <a:schemeClr val="lt1"/>
+          </a:fontRef>
+        </p:style>
+        <p:txBody>
+          <a:bodyPr rtlCol="0" anchor="ctr"/>
+          <a:lstStyle/>
+          <a:p>
+            <a:r>
+              <a:rPr lang="en-US" altLang="zh-CN" sz="1000" dirty="0"/>
+              <a:t>vi /root/</a:t>
+            </a:r>
+            <a:r>
+              <a:rPr lang="en-US" altLang="zh-CN" sz="1000" dirty="0" err="1"/>
+              <a:t>redis.conf</a:t>
+            </a:r>
+            <a:endParaRPr lang="en-US" altLang="zh-CN" sz="1000" dirty="0"/>
+          </a:p>
+          <a:p>
+            <a:r>
+              <a:rPr lang="en-US" altLang="zh-CN" sz="1000" dirty="0" err="1"/>
+              <a:t>appendonly</a:t>
+            </a:r>
+            <a:r>
+              <a:rPr lang="en-US" altLang="zh-CN" sz="1000" dirty="0"/>
+              <a:t> yes</a:t>
+            </a:r>
+          </a:p>
+          <a:p>
+            <a:r>
+              <a:rPr lang="en-US" altLang="zh-CN" sz="1000" dirty="0"/>
+              <a:t>:</a:t>
+            </a:r>
+            <a:r>
+              <a:rPr lang="en-US" altLang="zh-CN" sz="1000" dirty="0" err="1"/>
+              <a:t>wq</a:t>
+            </a:r>
+            <a:endParaRPr lang="en-US" altLang="zh-CN" sz="1000" dirty="0"/>
+          </a:p>
+          <a:p>
+            <a:r>
+              <a:rPr lang="en-US" altLang="zh-CN" sz="1000" dirty="0" err="1"/>
+              <a:t>kubectl</a:t>
+            </a:r>
+            <a:r>
+              <a:rPr lang="en-US" altLang="zh-CN" sz="1000" dirty="0"/>
+              <a:t> create cm redis-conf444 --from-file=</a:t>
+            </a:r>
+            <a:r>
+              <a:rPr lang="en-US" altLang="zh-CN" sz="1000" dirty="0" err="1"/>
+              <a:t>redis.conf</a:t>
+            </a:r>
+            <a:r>
+              <a:rPr lang="en-US" altLang="zh-CN" sz="1000" dirty="0"/>
+              <a:t>  #</a:t>
+            </a:r>
+            <a:r>
+              <a:rPr lang="zh-CN" altLang="en-US" sz="1000" dirty="0"/>
+              <a:t>变成配置集</a:t>
+            </a:r>
+          </a:p>
+          <a:p>
+            <a:r>
+              <a:rPr lang="en-US" altLang="zh-CN" sz="1000" dirty="0" err="1"/>
+              <a:t>kubectl</a:t>
+            </a:r>
+            <a:r>
+              <a:rPr lang="en-US" altLang="zh-CN" sz="1000" dirty="0"/>
+              <a:t> get cm  #</a:t>
+            </a:r>
+            <a:r>
+              <a:rPr lang="zh-CN" altLang="en-US" sz="1000" dirty="0"/>
+              <a:t>查看，有</a:t>
+            </a:r>
+            <a:r>
+              <a:rPr lang="en-US" altLang="zh-CN" sz="1000" dirty="0" err="1"/>
+              <a:t>redis-conf</a:t>
+            </a:r>
+            <a:endParaRPr lang="en-US" altLang="zh-CN" sz="1000" dirty="0"/>
+          </a:p>
+          <a:p>
+            <a:endParaRPr lang="en-US" altLang="zh-CN" sz="1000" dirty="0"/>
+          </a:p>
+          <a:p>
+            <a:r>
+              <a:rPr lang="en-US" altLang="zh-CN" sz="1000" dirty="0" err="1"/>
+              <a:t>kubectl</a:t>
+            </a:r>
+            <a:r>
+              <a:rPr lang="en-US" altLang="zh-CN" sz="1000" dirty="0"/>
+              <a:t> get cm redis-conf444 -</a:t>
+            </a:r>
+            <a:r>
+              <a:rPr lang="en-US" altLang="zh-CN" sz="1000" dirty="0" err="1"/>
+              <a:t>oyaml</a:t>
+            </a:r>
+            <a:r>
+              <a:rPr lang="en-US" altLang="zh-CN" sz="1000" dirty="0"/>
+              <a:t>  #</a:t>
+            </a:r>
+            <a:r>
+              <a:rPr lang="zh-CN" altLang="en-US" sz="1000" dirty="0"/>
+              <a:t>查看具体内容，配置集精简后得到以下</a:t>
+            </a:r>
+          </a:p>
+          <a:p>
+            <a:r>
+              <a:rPr lang="en-US" altLang="zh-CN" sz="1000" dirty="0" err="1"/>
+              <a:t>apiVersion</a:t>
+            </a:r>
+            <a:r>
+              <a:rPr lang="en-US" altLang="zh-CN" sz="1000" dirty="0"/>
+              <a:t>: v1</a:t>
+            </a:r>
+          </a:p>
+          <a:p>
+            <a:r>
+              <a:rPr lang="en-US" altLang="zh-CN" sz="1000" dirty="0"/>
+              <a:t>data:</a:t>
+            </a:r>
+          </a:p>
+          <a:p>
+            <a:r>
+              <a:rPr lang="en-US" altLang="zh-CN" sz="1000" dirty="0"/>
+              <a:t>  redis333.conf: |+</a:t>
+            </a:r>
+          </a:p>
+          <a:p>
+            <a:r>
+              <a:rPr lang="en-US" altLang="zh-CN" sz="1000" dirty="0"/>
+              <a:t>    </a:t>
+            </a:r>
+            <a:r>
+              <a:rPr lang="en-US" altLang="zh-CN" sz="1000" dirty="0" err="1"/>
+              <a:t>appendonly</a:t>
+            </a:r>
+            <a:r>
+              <a:rPr lang="en-US" altLang="zh-CN" sz="1000" dirty="0"/>
+              <a:t> yes</a:t>
+            </a:r>
+          </a:p>
+          <a:p>
+            <a:r>
+              <a:rPr lang="en-US" altLang="zh-CN" sz="1000" dirty="0"/>
+              <a:t>kind: </a:t>
+            </a:r>
+            <a:r>
+              <a:rPr lang="en-US" altLang="zh-CN" sz="1000" dirty="0" err="1"/>
+              <a:t>ConfigMap</a:t>
+            </a:r>
+            <a:endParaRPr lang="en-US" altLang="zh-CN" sz="1000" dirty="0"/>
+          </a:p>
+          <a:p>
+            <a:r>
+              <a:rPr lang="en-US" altLang="zh-CN" sz="1000" dirty="0"/>
+              <a:t>metadata:</a:t>
+            </a:r>
+          </a:p>
+          <a:p>
+            <a:r>
+              <a:rPr lang="en-US" altLang="zh-CN" sz="1000" dirty="0"/>
+              <a:t>  name: redis-conf222</a:t>
+            </a:r>
+          </a:p>
+          <a:p>
+            <a:r>
+              <a:rPr lang="en-US" altLang="zh-CN" sz="1000" dirty="0"/>
+              <a:t>  namespace: default</a:t>
+            </a:r>
+          </a:p>
+          <a:p>
+            <a:r>
+              <a:rPr lang="en-US" altLang="zh-CN" sz="1000" dirty="0"/>
+              <a:t>  </a:t>
+            </a:r>
+          </a:p>
+          <a:p>
+            <a:r>
+              <a:rPr lang="en-US" altLang="zh-CN" sz="1000" dirty="0"/>
+              <a:t>#</a:t>
+            </a:r>
+            <a:r>
+              <a:rPr lang="zh-CN" altLang="en-US" sz="1000" dirty="0"/>
+              <a:t>创建</a:t>
+            </a:r>
+            <a:r>
+              <a:rPr lang="en-US" altLang="zh-CN" sz="1000" dirty="0"/>
+              <a:t>pod</a:t>
+            </a:r>
+            <a:r>
+              <a:rPr lang="zh-CN" altLang="en-US" sz="1000" dirty="0"/>
+              <a:t>的</a:t>
+            </a:r>
+            <a:r>
+              <a:rPr lang="en-US" altLang="zh-CN" sz="1000" dirty="0" err="1"/>
+              <a:t>yaml</a:t>
+            </a:r>
+            <a:endParaRPr lang="en-US" altLang="zh-CN" sz="1000" dirty="0"/>
+          </a:p>
+          <a:p>
+            <a:r>
+              <a:rPr lang="en-US" altLang="zh-CN" sz="1000" dirty="0"/>
+              <a:t>vi </a:t>
+            </a:r>
+            <a:r>
+              <a:rPr lang="en-US" altLang="zh-CN" sz="1000" dirty="0" err="1"/>
+              <a:t>redis.yaml</a:t>
+            </a:r>
+            <a:endParaRPr lang="en-US" altLang="zh-CN" sz="1000" dirty="0"/>
+          </a:p>
+          <a:p>
+            <a:r>
+              <a:rPr lang="en-US" altLang="zh-CN" sz="1000" dirty="0" err="1"/>
+              <a:t>apiVersion</a:t>
+            </a:r>
+            <a:r>
+              <a:rPr lang="en-US" altLang="zh-CN" sz="1000" dirty="0"/>
+              <a:t>: v1</a:t>
+            </a:r>
+          </a:p>
+          <a:p>
+            <a:r>
+              <a:rPr lang="en-US" altLang="zh-CN" sz="1000" dirty="0"/>
+              <a:t>kind: Pod</a:t>
+            </a:r>
+          </a:p>
+          <a:p>
+            <a:r>
+              <a:rPr lang="en-US" altLang="zh-CN" sz="1000" dirty="0"/>
+              <a:t>metadata:</a:t>
+            </a:r>
+          </a:p>
+          <a:p>
+            <a:r>
+              <a:rPr lang="en-US" altLang="zh-CN" sz="1000" dirty="0"/>
+              <a:t>  name: </a:t>
+            </a:r>
+            <a:r>
+              <a:rPr lang="en-US" altLang="zh-CN" sz="1000" dirty="0" err="1"/>
+              <a:t>redis</a:t>
+            </a:r>
+            <a:endParaRPr lang="en-US" altLang="zh-CN" sz="1000" dirty="0"/>
+          </a:p>
+          <a:p>
+            <a:r>
+              <a:rPr lang="en-US" altLang="zh-CN" sz="1000" dirty="0"/>
+              <a:t>spec:</a:t>
+            </a:r>
+          </a:p>
+          <a:p>
+            <a:r>
+              <a:rPr lang="en-US" altLang="zh-CN" sz="1000" dirty="0"/>
+              <a:t>  containers:</a:t>
+            </a:r>
+          </a:p>
+          <a:p>
+            <a:r>
+              <a:rPr lang="en-US" altLang="zh-CN" sz="1000" dirty="0"/>
+              <a:t>    - name: </a:t>
+            </a:r>
+            <a:r>
+              <a:rPr lang="en-US" altLang="zh-CN" sz="1000" dirty="0" err="1"/>
+              <a:t>redis</a:t>
+            </a:r>
+            <a:endParaRPr lang="en-US" altLang="zh-CN" sz="1000" dirty="0"/>
+          </a:p>
+          <a:p>
+            <a:r>
+              <a:rPr lang="en-US" altLang="zh-CN" sz="1000" dirty="0"/>
+              <a:t>      image: </a:t>
+            </a:r>
+            <a:r>
+              <a:rPr lang="en-US" altLang="zh-CN" sz="1000" dirty="0" err="1"/>
+              <a:t>redis</a:t>
+            </a:r>
+            <a:endParaRPr lang="en-US" altLang="zh-CN" sz="1000" dirty="0"/>
+          </a:p>
+          <a:p>
+            <a:r>
+              <a:rPr lang="en-US" altLang="zh-CN" sz="1000" dirty="0"/>
+              <a:t>      command:</a:t>
+            </a:r>
+          </a:p>
+          <a:p>
+            <a:r>
+              <a:rPr lang="en-US" altLang="zh-CN" sz="1000" dirty="0"/>
+              <a:t>        - </a:t>
+            </a:r>
+            <a:r>
+              <a:rPr lang="en-US" altLang="zh-CN" sz="1000" dirty="0" err="1"/>
+              <a:t>redis</a:t>
+            </a:r>
+            <a:r>
+              <a:rPr lang="en-US" altLang="zh-CN" sz="1000" dirty="0"/>
+              <a:t>-server</a:t>
+            </a:r>
+          </a:p>
+          <a:p>
+            <a:r>
+              <a:rPr lang="en-US" altLang="zh-CN" sz="1000" dirty="0"/>
+              <a:t>        - "/</a:t>
+            </a:r>
+            <a:r>
+              <a:rPr lang="en-US" altLang="zh-CN" sz="1000" dirty="0" err="1"/>
+              <a:t>redis</a:t>
+            </a:r>
+            <a:r>
+              <a:rPr lang="en-US" altLang="zh-CN" sz="1000" dirty="0"/>
+              <a:t>-master/</a:t>
+            </a:r>
+            <a:r>
+              <a:rPr lang="en-US" altLang="zh-CN" sz="1000" dirty="0" err="1"/>
+              <a:t>redis.conf</a:t>
+            </a:r>
+            <a:r>
+              <a:rPr lang="en-US" altLang="zh-CN" sz="1000" dirty="0"/>
+              <a:t>"  #</a:t>
+            </a:r>
+            <a:r>
+              <a:rPr lang="zh-CN" altLang="en-US" sz="1000" dirty="0"/>
+              <a:t>指的是</a:t>
+            </a:r>
+            <a:r>
+              <a:rPr lang="en-US" altLang="zh-CN" sz="1000" dirty="0" err="1"/>
+              <a:t>redis</a:t>
+            </a:r>
+            <a:r>
+              <a:rPr lang="zh-CN" altLang="en-US" sz="1000" dirty="0"/>
+              <a:t>容器内部的位置</a:t>
+            </a:r>
+          </a:p>
+          <a:p>
+            <a:r>
+              <a:rPr lang="zh-CN" altLang="en-US" sz="1000" dirty="0"/>
+              <a:t>      </a:t>
+            </a:r>
+            <a:r>
+              <a:rPr lang="en-US" altLang="zh-CN" sz="1000" dirty="0"/>
+              <a:t>ports:</a:t>
+            </a:r>
+          </a:p>
+          <a:p>
+            <a:r>
+              <a:rPr lang="en-US" altLang="zh-CN" sz="1000" dirty="0"/>
+              <a:t>        - </a:t>
+            </a:r>
+            <a:r>
+              <a:rPr lang="en-US" altLang="zh-CN" sz="1000" dirty="0" err="1"/>
+              <a:t>containerPort</a:t>
+            </a:r>
+            <a:r>
+              <a:rPr lang="en-US" altLang="zh-CN" sz="1000" dirty="0"/>
+              <a:t>: 6379</a:t>
+            </a:r>
+          </a:p>
+          <a:p>
+            <a:r>
+              <a:rPr lang="en-US" altLang="zh-CN" sz="1000" dirty="0"/>
+              <a:t>      </a:t>
+            </a:r>
+            <a:r>
+              <a:rPr lang="en-US" altLang="zh-CN" sz="1000" dirty="0" err="1"/>
+              <a:t>volumeMounts</a:t>
+            </a:r>
+            <a:r>
+              <a:rPr lang="en-US" altLang="zh-CN" sz="1000" dirty="0"/>
+              <a:t>:                   #</a:t>
+            </a:r>
+            <a:r>
+              <a:rPr lang="zh-CN" altLang="en-US" sz="1000" dirty="0"/>
+              <a:t>持久卷</a:t>
+            </a:r>
+          </a:p>
+          <a:p>
+            <a:r>
+              <a:rPr lang="zh-CN" altLang="en-US" sz="1000" dirty="0"/>
+              <a:t>        </a:t>
+            </a:r>
+            <a:r>
+              <a:rPr lang="en-US" altLang="zh-CN" sz="1000" dirty="0"/>
+              <a:t>- </a:t>
+            </a:r>
+            <a:r>
+              <a:rPr lang="en-US" altLang="zh-CN" sz="1000" dirty="0" err="1"/>
+              <a:t>mountPath</a:t>
+            </a:r>
+            <a:r>
+              <a:rPr lang="en-US" altLang="zh-CN" sz="1000" dirty="0"/>
+              <a:t>: /data</a:t>
+            </a:r>
+          </a:p>
+          <a:p>
+            <a:r>
+              <a:rPr lang="en-US" altLang="zh-CN" sz="1000" dirty="0"/>
+              <a:t>          name: data</a:t>
+            </a:r>
+          </a:p>
+          <a:p>
+            <a:r>
+              <a:rPr lang="en-US" altLang="zh-CN" sz="1000" dirty="0"/>
+              <a:t>        - </a:t>
+            </a:r>
+            <a:r>
+              <a:rPr lang="en-US" altLang="zh-CN" sz="1000" dirty="0" err="1"/>
+              <a:t>mountPath</a:t>
+            </a:r>
+            <a:r>
+              <a:rPr lang="en-US" altLang="zh-CN" sz="1000" dirty="0"/>
+              <a:t>: /</a:t>
+            </a:r>
+            <a:r>
+              <a:rPr lang="en-US" altLang="zh-CN" sz="1000" dirty="0" err="1"/>
+              <a:t>redis</a:t>
+            </a:r>
+            <a:r>
+              <a:rPr lang="en-US" altLang="zh-CN" sz="1000" dirty="0"/>
+              <a:t>-master</a:t>
+            </a:r>
+          </a:p>
+          <a:p>
+            <a:r>
+              <a:rPr lang="en-US" altLang="zh-CN" sz="1000" dirty="0"/>
+              <a:t>          name: config111</a:t>
+            </a:r>
+          </a:p>
+          <a:p>
+            <a:r>
+              <a:rPr lang="en-US" altLang="zh-CN" sz="1000" dirty="0"/>
+              <a:t>  volumes:</a:t>
+            </a:r>
+          </a:p>
+          <a:p>
+            <a:r>
+              <a:rPr lang="en-US" altLang="zh-CN" sz="1000" dirty="0"/>
+              <a:t>    - name: data</a:t>
+            </a:r>
+          </a:p>
+          <a:p>
+            <a:r>
+              <a:rPr lang="en-US" altLang="zh-CN" sz="1000" dirty="0"/>
+              <a:t>      </a:t>
+            </a:r>
+            <a:r>
+              <a:rPr lang="en-US" altLang="zh-CN" sz="1000" dirty="0" err="1"/>
+              <a:t>emptyDir</a:t>
+            </a:r>
+            <a:r>
+              <a:rPr lang="en-US" altLang="zh-CN" sz="1000" dirty="0"/>
+              <a:t>: {}</a:t>
+            </a:r>
+          </a:p>
+          <a:p>
+            <a:r>
+              <a:rPr lang="en-US" altLang="zh-CN" sz="1000" dirty="0"/>
+              <a:t>    - name: config111</a:t>
+            </a:r>
+          </a:p>
+          <a:p>
+            <a:r>
+              <a:rPr lang="en-US" altLang="zh-CN" sz="1000" dirty="0"/>
+              <a:t>      </a:t>
+            </a:r>
+            <a:r>
+              <a:rPr lang="en-US" altLang="zh-CN" sz="1000" dirty="0" err="1"/>
+              <a:t>configMap</a:t>
+            </a:r>
+            <a:r>
+              <a:rPr lang="en-US" altLang="zh-CN" sz="1000" dirty="0"/>
+              <a:t>:</a:t>
+            </a:r>
+          </a:p>
+          <a:p>
+            <a:r>
+              <a:rPr lang="en-US" altLang="zh-CN" sz="1000" dirty="0"/>
+              <a:t>        name: redis-conf222</a:t>
+            </a:r>
+          </a:p>
+          <a:p>
+            <a:r>
+              <a:rPr lang="en-US" altLang="zh-CN" sz="1000" dirty="0"/>
+              <a:t>        items:</a:t>
+            </a:r>
+          </a:p>
+          <a:p>
+            <a:r>
+              <a:rPr lang="en-US" altLang="zh-CN" sz="1000" dirty="0"/>
+              <a:t>          - key: redis.conf333</a:t>
+            </a:r>
+          </a:p>
+          <a:p>
+            <a:r>
+              <a:rPr lang="en-US" altLang="zh-CN" sz="1000" dirty="0"/>
+              <a:t>            path: </a:t>
+            </a:r>
+            <a:r>
+              <a:rPr lang="en-US" altLang="zh-CN" sz="1000" dirty="0" err="1"/>
+              <a:t>redis.conf</a:t>
+            </a:r>
+            <a:r>
+              <a:rPr lang="en-US" altLang="zh-CN" sz="1000" dirty="0"/>
+              <a:t>	#</a:t>
+            </a:r>
+            <a:r>
+              <a:rPr lang="zh-CN" altLang="en-US" sz="1000" dirty="0"/>
+              <a:t>最终在</a:t>
+            </a:r>
+            <a:r>
+              <a:rPr lang="en-US" altLang="zh-CN" sz="1000" dirty="0"/>
+              <a:t>/</a:t>
+            </a:r>
+            <a:r>
+              <a:rPr lang="en-US" altLang="zh-CN" sz="1000" dirty="0" err="1"/>
+              <a:t>redis</a:t>
+            </a:r>
+            <a:r>
+              <a:rPr lang="en-US" altLang="zh-CN" sz="1000" dirty="0"/>
+              <a:t>-master </a:t>
+            </a:r>
+            <a:r>
+              <a:rPr lang="zh-CN" altLang="en-US" sz="1000" dirty="0"/>
+              <a:t>目录下创建</a:t>
+            </a:r>
+            <a:r>
+              <a:rPr lang="en-US" altLang="zh-CN" sz="1000" dirty="0" err="1"/>
+              <a:t>redis.conf</a:t>
+            </a:r>
+            <a:endParaRPr lang="zh-CN" altLang="en-US" sz="1000" dirty="0"/>
+          </a:p>
+        </p:txBody>
+      </p:sp>
+    </p:spTree>
+    <p:extLst>
+      <p:ext uri="{BB962C8B-B14F-4D97-AF65-F5344CB8AC3E}">
+        <p14:creationId xmlns:p14="http://schemas.microsoft.com/office/powerpoint/2010/main" val="1878684364"/>
+      </p:ext>
+    </p:extLst>
+  </p:cSld>
+  <p:clrMapOvr>
+    <a:masterClrMapping/>
+  </p:clrMapOvr>
+</p:sld>
+</file>
+
 <file path=ppt/theme/theme1.xml><?xml version="1.0" encoding="utf-8"?>
 <a:theme xmlns:a="http://schemas.openxmlformats.org/drawingml/2006/main" name="Office 主题">
   <a:themeElements>
